--- a/Holmusk Assignment Slides.pptx
+++ b/Holmusk Assignment Slides.pptx
@@ -3408,7 +3408,7 @@
             <a:rPr lang="en-SG">
               <a:latin typeface="Muli" panose="020B0604020202020204" charset="0"/>
             </a:rPr>
-            <a:t>Malays form a large proportion of dialysis patients (24.4%) </a:t>
+            <a:t>Malays form a large proportion of dialysis patients in Singapore (24.4%, 2014) </a:t>
           </a:r>
         </a:p>
       </dgm:t>
@@ -4930,7 +4930,7 @@
             <a:rPr lang="en-SG" sz="1300" kern="1200">
               <a:latin typeface="Muli" panose="020B0604020202020204" charset="0"/>
             </a:rPr>
-            <a:t>Malays form a large proportion of dialysis patients (24.4%) </a:t>
+            <a:t>Malays form a large proportion of dialysis patients in Singapore (24.4%, 2014) </a:t>
           </a:r>
         </a:p>
         <a:p>
@@ -24497,8 +24497,8 @@
           </a:p>
         </p:txBody>
       </p:sp>
-      <mc:AlternateContent xmlns:mc="http://schemas.openxmlformats.org/markup-compatibility/2006">
-        <mc:Choice xmlns:a14="http://schemas.microsoft.com/office/drawing/2010/main" Requires="a14">
+      <mc:AlternateContent xmlns:mc="http://schemas.openxmlformats.org/markup-compatibility/2006" xmlns:a14="http://schemas.microsoft.com/office/drawing/2010/main">
+        <mc:Choice Requires="a14">
           <p:sp>
             <p:nvSpPr>
               <p:cNvPr id="4" name="Rectangle 3">
@@ -24728,7 +24728,7 @@
             </p:txBody>
           </p:sp>
         </mc:Choice>
-        <mc:Fallback>
+        <mc:Fallback xmlns="">
           <p:sp>
             <p:nvSpPr>
               <p:cNvPr id="4" name="Rectangle 3">
@@ -25620,7 +25620,7 @@
           <p:nvPr>
             <p:extLst>
               <p:ext uri="{D42A27DB-BD31-4B8C-83A1-F6EECF244321}">
-                <p14:modId xmlns:p14="http://schemas.microsoft.com/office/powerpoint/2010/main" val="766789768"/>
+                <p14:modId xmlns:p14="http://schemas.microsoft.com/office/powerpoint/2010/main" val="2289656551"/>
               </p:ext>
             </p:extLst>
           </p:nvPr>
@@ -31826,8 +31826,8 @@
           </a:p>
         </p:txBody>
       </p:sp>
-      <mc:AlternateContent xmlns:mc="http://schemas.openxmlformats.org/markup-compatibility/2006">
-        <mc:Choice xmlns:a14="http://schemas.microsoft.com/office/drawing/2010/main" Requires="a14">
+      <mc:AlternateContent xmlns:mc="http://schemas.openxmlformats.org/markup-compatibility/2006" xmlns:a14="http://schemas.microsoft.com/office/drawing/2010/main">
+        <mc:Choice Requires="a14">
           <p:sp>
             <p:nvSpPr>
               <p:cNvPr id="54" name="Rectangle 53">
@@ -32036,7 +32036,7 @@
             </p:txBody>
           </p:sp>
         </mc:Choice>
-        <mc:Fallback>
+        <mc:Fallback xmlns="">
           <p:sp>
             <p:nvSpPr>
               <p:cNvPr id="54" name="Rectangle 53">
@@ -34393,7 +34393,7 @@
                 </a:solidFill>
                 <a:latin typeface="Muli" panose="020B0604020202020204" charset="0"/>
               </a:rPr>
-              <a:t>3 categories showed a slight increase in patient bill cost when present (value == 1):</a:t>
+              <a:t>3 categories showed an increase in patient bill cost when present (value == 1):</a:t>
             </a:r>
           </a:p>
           <a:p>
@@ -34939,8 +34939,8 @@
           </a:p>
         </p:txBody>
       </p:sp>
-      <mc:AlternateContent xmlns:mc="http://schemas.openxmlformats.org/markup-compatibility/2006">
-        <mc:Choice xmlns:a14="http://schemas.microsoft.com/office/drawing/2010/main" Requires="a14">
+      <mc:AlternateContent xmlns:mc="http://schemas.openxmlformats.org/markup-compatibility/2006" xmlns:a14="http://schemas.microsoft.com/office/drawing/2010/main">
+        <mc:Choice Requires="a14">
           <p:sp>
             <p:nvSpPr>
               <p:cNvPr id="2" name="Rectangle 1">
@@ -35012,7 +35012,7 @@
             </p:txBody>
           </p:sp>
         </mc:Choice>
-        <mc:Fallback>
+        <mc:Fallback xmlns="">
           <p:sp>
             <p:nvSpPr>
               <p:cNvPr id="2" name="Rectangle 1">
@@ -35057,8 +35057,8 @@
           </p:sp>
         </mc:Fallback>
       </mc:AlternateContent>
-      <mc:AlternateContent xmlns:mc="http://schemas.openxmlformats.org/markup-compatibility/2006">
-        <mc:Choice xmlns:a14="http://schemas.microsoft.com/office/drawing/2010/main" Requires="a14">
+      <mc:AlternateContent xmlns:mc="http://schemas.openxmlformats.org/markup-compatibility/2006" xmlns:a14="http://schemas.microsoft.com/office/drawing/2010/main">
+        <mc:Choice Requires="a14">
           <p:sp>
             <p:nvSpPr>
               <p:cNvPr id="3" name="Rectangle 2">
@@ -35141,7 +35141,7 @@
             </p:txBody>
           </p:sp>
         </mc:Choice>
-        <mc:Fallback>
+        <mc:Fallback xmlns="">
           <p:sp>
             <p:nvSpPr>
               <p:cNvPr id="3" name="Rectangle 2">
